--- a/otel teoria/Day 1 session 4.3 Collector.pptx
+++ b/otel teoria/Day 1 session 4.3 Collector.pptx
@@ -5,7 +5,7 @@
     <p:sldMasterId id="2147483648" r:id="rId1"/>
   </p:sldMasterIdLst>
   <p:sldIdLst>
-    <p:sldId id="315" r:id="rId2"/>
+    <p:sldId id="318" r:id="rId2"/>
     <p:sldId id="316" r:id="rId3"/>
     <p:sldId id="317" r:id="rId4"/>
   </p:sldIdLst>
@@ -263,7 +263,7 @@
           <a:p>
             <a:fld id="{62103242-C4CF-9C46-9C8F-6E3468592957}" type="datetimeFigureOut">
               <a:rPr lang="pl-PL" smtClean="0"/>
-              <a:t>1.10.2024</a:t>
+              <a:t>2.10.2024</a:t>
             </a:fld>
             <a:endParaRPr lang="pl-PL"/>
           </a:p>
@@ -463,7 +463,7 @@
           <a:p>
             <a:fld id="{62103242-C4CF-9C46-9C8F-6E3468592957}" type="datetimeFigureOut">
               <a:rPr lang="pl-PL" smtClean="0"/>
-              <a:t>1.10.2024</a:t>
+              <a:t>2.10.2024</a:t>
             </a:fld>
             <a:endParaRPr lang="pl-PL"/>
           </a:p>
@@ -673,7 +673,7 @@
           <a:p>
             <a:fld id="{62103242-C4CF-9C46-9C8F-6E3468592957}" type="datetimeFigureOut">
               <a:rPr lang="pl-PL" smtClean="0"/>
-              <a:t>1.10.2024</a:t>
+              <a:t>2.10.2024</a:t>
             </a:fld>
             <a:endParaRPr lang="pl-PL"/>
           </a:p>
@@ -873,7 +873,7 @@
           <a:p>
             <a:fld id="{62103242-C4CF-9C46-9C8F-6E3468592957}" type="datetimeFigureOut">
               <a:rPr lang="pl-PL" smtClean="0"/>
-              <a:t>1.10.2024</a:t>
+              <a:t>2.10.2024</a:t>
             </a:fld>
             <a:endParaRPr lang="pl-PL"/>
           </a:p>
@@ -1149,7 +1149,7 @@
           <a:p>
             <a:fld id="{62103242-C4CF-9C46-9C8F-6E3468592957}" type="datetimeFigureOut">
               <a:rPr lang="pl-PL" smtClean="0"/>
-              <a:t>1.10.2024</a:t>
+              <a:t>2.10.2024</a:t>
             </a:fld>
             <a:endParaRPr lang="pl-PL"/>
           </a:p>
@@ -1417,7 +1417,7 @@
           <a:p>
             <a:fld id="{62103242-C4CF-9C46-9C8F-6E3468592957}" type="datetimeFigureOut">
               <a:rPr lang="pl-PL" smtClean="0"/>
-              <a:t>1.10.2024</a:t>
+              <a:t>2.10.2024</a:t>
             </a:fld>
             <a:endParaRPr lang="pl-PL"/>
           </a:p>
@@ -1832,7 +1832,7 @@
           <a:p>
             <a:fld id="{62103242-C4CF-9C46-9C8F-6E3468592957}" type="datetimeFigureOut">
               <a:rPr lang="pl-PL" smtClean="0"/>
-              <a:t>1.10.2024</a:t>
+              <a:t>2.10.2024</a:t>
             </a:fld>
             <a:endParaRPr lang="pl-PL"/>
           </a:p>
@@ -1974,7 +1974,7 @@
           <a:p>
             <a:fld id="{62103242-C4CF-9C46-9C8F-6E3468592957}" type="datetimeFigureOut">
               <a:rPr lang="pl-PL" smtClean="0"/>
-              <a:t>1.10.2024</a:t>
+              <a:t>2.10.2024</a:t>
             </a:fld>
             <a:endParaRPr lang="pl-PL"/>
           </a:p>
@@ -2087,7 +2087,7 @@
           <a:p>
             <a:fld id="{62103242-C4CF-9C46-9C8F-6E3468592957}" type="datetimeFigureOut">
               <a:rPr lang="pl-PL" smtClean="0"/>
-              <a:t>1.10.2024</a:t>
+              <a:t>2.10.2024</a:t>
             </a:fld>
             <a:endParaRPr lang="pl-PL"/>
           </a:p>
@@ -2400,7 +2400,7 @@
           <a:p>
             <a:fld id="{62103242-C4CF-9C46-9C8F-6E3468592957}" type="datetimeFigureOut">
               <a:rPr lang="pl-PL" smtClean="0"/>
-              <a:t>1.10.2024</a:t>
+              <a:t>2.10.2024</a:t>
             </a:fld>
             <a:endParaRPr lang="pl-PL"/>
           </a:p>
@@ -2689,7 +2689,7 @@
           <a:p>
             <a:fld id="{62103242-C4CF-9C46-9C8F-6E3468592957}" type="datetimeFigureOut">
               <a:rPr lang="pl-PL" smtClean="0"/>
-              <a:t>1.10.2024</a:t>
+              <a:t>2.10.2024</a:t>
             </a:fld>
             <a:endParaRPr lang="pl-PL"/>
           </a:p>
@@ -2932,7 +2932,7 @@
           <a:p>
             <a:fld id="{62103242-C4CF-9C46-9C8F-6E3468592957}" type="datetimeFigureOut">
               <a:rPr lang="pl-PL" smtClean="0"/>
-              <a:t>1.10.2024</a:t>
+              <a:t>2.10.2024</a:t>
             </a:fld>
             <a:endParaRPr lang="pl-PL"/>
           </a:p>
@@ -3359,81 +3359,76 @@
             <p:ph type="ctrTitle"/>
           </p:nvPr>
         </p:nvSpPr>
-        <p:spPr/>
-        <p:txBody>
-          <a:bodyPr/>
-          <a:lstStyle/>
-          <a:p>
-            <a:r>
-              <a:rPr dirty="0" err="1"/>
-              <a:t>Szkolenie</a:t>
-            </a:r>
-            <a:r>
-              <a:rPr dirty="0"/>
-              <a:t> </a:t>
-            </a:r>
-            <a:r>
-              <a:rPr dirty="0" err="1"/>
-              <a:t>OpenTelemetry</a:t>
-            </a:r>
-            <a:endParaRPr dirty="0"/>
-          </a:p>
-        </p:txBody>
-      </p:sp>
-      <p:sp>
-        <p:nvSpPr>
-          <p:cNvPr id="3" name="Subtitle 2"/>
-          <p:cNvSpPr>
-            <a:spLocks noGrp="1"/>
-          </p:cNvSpPr>
-          <p:nvPr>
-            <p:ph type="subTitle" idx="1"/>
-          </p:nvPr>
-        </p:nvSpPr>
-        <p:spPr/>
-        <p:txBody>
-          <a:bodyPr>
-            <a:normAutofit/>
-          </a:bodyPr>
-          <a:lstStyle/>
-          <a:p>
-            <a:r>
-              <a:rPr lang="en-US" sz="5400" dirty="0"/>
-              <a:t>Collector</a:t>
-            </a:r>
-            <a:endParaRPr sz="5400" dirty="0"/>
-          </a:p>
-        </p:txBody>
-      </p:sp>
-      <p:sp>
-        <p:nvSpPr>
-          <p:cNvPr id="4" name="TextBox 3">
-            <a:extLst>
-              <a:ext uri="{FF2B5EF4-FFF2-40B4-BE49-F238E27FC236}">
-                <a16:creationId xmlns:a16="http://schemas.microsoft.com/office/drawing/2014/main" id="{416C3E1A-5309-0B98-A52F-EE8E387E2B67}"/>
-              </a:ext>
-            </a:extLst>
-          </p:cNvPr>
-          <p:cNvSpPr txBox="1"/>
-          <p:nvPr/>
-        </p:nvSpPr>
         <p:spPr>
           <a:xfrm>
-            <a:off x="6800193" y="3783724"/>
-            <a:ext cx="184731" cy="369332"/>
+            <a:off x="1524000" y="2096465"/>
+            <a:ext cx="9144000" cy="2387600"/>
           </a:xfrm>
-          <a:prstGeom prst="rect">
-            <a:avLst/>
-          </a:prstGeom>
-          <a:noFill/>
         </p:spPr>
         <p:txBody>
-          <a:bodyPr wrap="none" rtlCol="0">
-            <a:spAutoFit/>
+          <a:bodyPr>
+            <a:normAutofit fontScale="90000"/>
           </a:bodyPr>
           <a:lstStyle/>
           <a:p>
-            <a:endParaRPr lang="pl-PL" dirty="0"/>
+            <a:r>
+              <a:rPr lang="en-GB" dirty="0" err="1"/>
+              <a:t>Szkolenie</a:t>
+            </a:r>
+            <a:r>
+              <a:rPr lang="en-GB" dirty="0"/>
+              <a:t> </a:t>
+            </a:r>
+            <a:br>
+              <a:rPr lang="en-GB" dirty="0"/>
+            </a:br>
+            <a:br>
+              <a:rPr lang="en-GB" dirty="0"/>
+            </a:br>
+            <a:r>
+              <a:rPr lang="en-GB" dirty="0" err="1"/>
+              <a:t>Instrumentacja</a:t>
+            </a:r>
+            <a:r>
+              <a:rPr lang="en-GB" dirty="0"/>
+              <a:t> </a:t>
+            </a:r>
+            <a:br>
+              <a:rPr lang="en-GB" dirty="0"/>
+            </a:br>
+            <a:r>
+              <a:rPr lang="en-GB" dirty="0"/>
+              <a:t>OpenTelemetry</a:t>
+            </a:r>
+            <a:endParaRPr dirty="0"/>
+          </a:p>
+        </p:txBody>
+      </p:sp>
+      <p:sp>
+        <p:nvSpPr>
+          <p:cNvPr id="3" name="Subtitle 2"/>
+          <p:cNvSpPr>
+            <a:spLocks noGrp="1"/>
+          </p:cNvSpPr>
+          <p:nvPr>
+            <p:ph type="subTitle" idx="1"/>
+          </p:nvPr>
+        </p:nvSpPr>
+        <p:spPr>
+          <a:xfrm>
+            <a:off x="1524000" y="5202238"/>
+            <a:ext cx="9144000" cy="1655762"/>
+          </a:xfrm>
+        </p:spPr>
+        <p:txBody>
+          <a:bodyPr/>
+          <a:lstStyle/>
+          <a:p>
+            <a:r>
+              <a:rPr lang="pl-PL" sz="4000" noProof="0" dirty="0" err="1"/>
+              <a:t>Collector</a:t>
+            </a:r>
+            <a:endParaRPr lang="pl-PL" noProof="0" dirty="0"/>
           </a:p>
         </p:txBody>
       </p:sp>
